--- a/Slurm session.pptx
+++ b/Slurm session.pptx
@@ -5548,6 +5548,69 @@
     </pc:docChg>
   </pc:docChgLst>
   <pc:docChgLst>
+    <pc:chgData name="Wouter Van Assche" userId="g+oT1l9Qgu5NpB0/b6QTuywHwppBsGmJv0ffiGd2xzU=" providerId="None" clId="Web-{12B793A8-8DEE-47AF-9B1F-D296C595C0FA}"/>
+    <pc:docChg chg="modSld">
+      <pc:chgData name="Wouter Van Assche" userId="g+oT1l9Qgu5NpB0/b6QTuywHwppBsGmJv0ffiGd2xzU=" providerId="None" clId="Web-{12B793A8-8DEE-47AF-9B1F-D296C595C0FA}" dt="2022-06-17T08:33:26.589" v="8"/>
+      <pc:docMkLst>
+        <pc:docMk/>
+      </pc:docMkLst>
+      <pc:sldChg chg="addSp delSp">
+        <pc:chgData name="Wouter Van Assche" userId="g+oT1l9Qgu5NpB0/b6QTuywHwppBsGmJv0ffiGd2xzU=" providerId="None" clId="Web-{12B793A8-8DEE-47AF-9B1F-D296C595C0FA}" dt="2022-06-17T08:33:26.589" v="8"/>
+        <pc:sldMkLst>
+          <pc:docMk/>
+          <pc:sldMk cId="3667570378" sldId="373"/>
+        </pc:sldMkLst>
+        <pc:spChg chg="add">
+          <ac:chgData name="Wouter Van Assche" userId="g+oT1l9Qgu5NpB0/b6QTuywHwppBsGmJv0ffiGd2xzU=" providerId="None" clId="Web-{12B793A8-8DEE-47AF-9B1F-D296C595C0FA}" dt="2022-06-17T08:33:26.589" v="8"/>
+          <ac:spMkLst>
+            <pc:docMk/>
+            <pc:sldMk cId="3667570378" sldId="373"/>
+            <ac:spMk id="9" creationId="{93AD2D33-0156-8232-D6A5-C54BCD4D3F59}"/>
+          </ac:spMkLst>
+        </pc:spChg>
+        <pc:spChg chg="del">
+          <ac:chgData name="Wouter Van Assche" userId="g+oT1l9Qgu5NpB0/b6QTuywHwppBsGmJv0ffiGd2xzU=" providerId="None" clId="Web-{12B793A8-8DEE-47AF-9B1F-D296C595C0FA}" dt="2022-06-17T08:33:26.136" v="7"/>
+          <ac:spMkLst>
+            <pc:docMk/>
+            <pc:sldMk cId="3667570378" sldId="373"/>
+            <ac:spMk id="11" creationId="{F4553ED8-18A5-4016-84BA-B846D20FDB6E}"/>
+          </ac:spMkLst>
+        </pc:spChg>
+      </pc:sldChg>
+      <pc:sldChg chg="addSp delSp modSp">
+        <pc:chgData name="Wouter Van Assche" userId="g+oT1l9Qgu5NpB0/b6QTuywHwppBsGmJv0ffiGd2xzU=" providerId="None" clId="Web-{12B793A8-8DEE-47AF-9B1F-D296C595C0FA}" dt="2022-06-17T08:33:20.620" v="6"/>
+        <pc:sldMkLst>
+          <pc:docMk/>
+          <pc:sldMk cId="1087616537" sldId="996"/>
+        </pc:sldMkLst>
+        <pc:spChg chg="add del mod">
+          <ac:chgData name="Wouter Van Assche" userId="g+oT1l9Qgu5NpB0/b6QTuywHwppBsGmJv0ffiGd2xzU=" providerId="None" clId="Web-{12B793A8-8DEE-47AF-9B1F-D296C595C0FA}" dt="2022-06-17T08:33:12.667" v="5"/>
+          <ac:spMkLst>
+            <pc:docMk/>
+            <pc:sldMk cId="1087616537" sldId="996"/>
+            <ac:spMk id="7" creationId="{4FB291C6-EA67-75AF-E83D-E2CA6B700E27}"/>
+          </ac:spMkLst>
+        </pc:spChg>
+        <pc:spChg chg="del mod">
+          <ac:chgData name="Wouter Van Assche" userId="g+oT1l9Qgu5NpB0/b6QTuywHwppBsGmJv0ffiGd2xzU=" providerId="None" clId="Web-{12B793A8-8DEE-47AF-9B1F-D296C595C0FA}" dt="2022-06-17T08:33:09.276" v="1"/>
+          <ac:spMkLst>
+            <pc:docMk/>
+            <pc:sldMk cId="1087616537" sldId="996"/>
+            <ac:spMk id="11" creationId="{F4553ED8-18A5-4016-84BA-B846D20FDB6E}"/>
+          </ac:spMkLst>
+        </pc:spChg>
+        <pc:spChg chg="add">
+          <ac:chgData name="Wouter Van Assche" userId="g+oT1l9Qgu5NpB0/b6QTuywHwppBsGmJv0ffiGd2xzU=" providerId="None" clId="Web-{12B793A8-8DEE-47AF-9B1F-D296C595C0FA}" dt="2022-06-17T08:33:20.620" v="6"/>
+          <ac:spMkLst>
+            <pc:docMk/>
+            <pc:sldMk cId="1087616537" sldId="996"/>
+            <ac:spMk id="14" creationId="{950A4F6E-BD31-CB8D-F1F4-CF7AD8B504F5}"/>
+          </ac:spMkLst>
+        </pc:spChg>
+      </pc:sldChg>
+    </pc:docChg>
+  </pc:docChgLst>
+  <pc:docChgLst>
     <pc:chgData name="Maxime Van den Bossche" userId="UHsicVu0lDPhlWn5MpEzfh5t8UBa4SoJXzjmcKjTj0o=" providerId="None" clId="Web-{10A96F60-CC2E-4519-8A02-CCD21B71EBDB}"/>
     <pc:docChg chg="modSld">
       <pc:chgData name="Maxime Van den Bossche" userId="UHsicVu0lDPhlWn5MpEzfh5t8UBa4SoJXzjmcKjTj0o=" providerId="None" clId="Web-{10A96F60-CC2E-4519-8A02-CCD21B71EBDB}" dt="2022-07-15T11:27:54.069" v="80" actId="20577"/>
@@ -5581,69 +5644,6 @@
             <pc:docMk/>
             <pc:sldMk cId="3714024755" sldId="1012"/>
             <ac:spMk id="3" creationId="{00000000-0000-0000-0000-000000000000}"/>
-          </ac:spMkLst>
-        </pc:spChg>
-      </pc:sldChg>
-    </pc:docChg>
-  </pc:docChgLst>
-  <pc:docChgLst>
-    <pc:chgData name="Wouter Van Assche" userId="g+oT1l9Qgu5NpB0/b6QTuywHwppBsGmJv0ffiGd2xzU=" providerId="None" clId="Web-{12B793A8-8DEE-47AF-9B1F-D296C595C0FA}"/>
-    <pc:docChg chg="modSld">
-      <pc:chgData name="Wouter Van Assche" userId="g+oT1l9Qgu5NpB0/b6QTuywHwppBsGmJv0ffiGd2xzU=" providerId="None" clId="Web-{12B793A8-8DEE-47AF-9B1F-D296C595C0FA}" dt="2022-06-17T08:33:26.589" v="8"/>
-      <pc:docMkLst>
-        <pc:docMk/>
-      </pc:docMkLst>
-      <pc:sldChg chg="addSp delSp">
-        <pc:chgData name="Wouter Van Assche" userId="g+oT1l9Qgu5NpB0/b6QTuywHwppBsGmJv0ffiGd2xzU=" providerId="None" clId="Web-{12B793A8-8DEE-47AF-9B1F-D296C595C0FA}" dt="2022-06-17T08:33:26.589" v="8"/>
-        <pc:sldMkLst>
-          <pc:docMk/>
-          <pc:sldMk cId="3667570378" sldId="373"/>
-        </pc:sldMkLst>
-        <pc:spChg chg="add">
-          <ac:chgData name="Wouter Van Assche" userId="g+oT1l9Qgu5NpB0/b6QTuywHwppBsGmJv0ffiGd2xzU=" providerId="None" clId="Web-{12B793A8-8DEE-47AF-9B1F-D296C595C0FA}" dt="2022-06-17T08:33:26.589" v="8"/>
-          <ac:spMkLst>
-            <pc:docMk/>
-            <pc:sldMk cId="3667570378" sldId="373"/>
-            <ac:spMk id="9" creationId="{93AD2D33-0156-8232-D6A5-C54BCD4D3F59}"/>
-          </ac:spMkLst>
-        </pc:spChg>
-        <pc:spChg chg="del">
-          <ac:chgData name="Wouter Van Assche" userId="g+oT1l9Qgu5NpB0/b6QTuywHwppBsGmJv0ffiGd2xzU=" providerId="None" clId="Web-{12B793A8-8DEE-47AF-9B1F-D296C595C0FA}" dt="2022-06-17T08:33:26.136" v="7"/>
-          <ac:spMkLst>
-            <pc:docMk/>
-            <pc:sldMk cId="3667570378" sldId="373"/>
-            <ac:spMk id="11" creationId="{F4553ED8-18A5-4016-84BA-B846D20FDB6E}"/>
-          </ac:spMkLst>
-        </pc:spChg>
-      </pc:sldChg>
-      <pc:sldChg chg="addSp delSp modSp">
-        <pc:chgData name="Wouter Van Assche" userId="g+oT1l9Qgu5NpB0/b6QTuywHwppBsGmJv0ffiGd2xzU=" providerId="None" clId="Web-{12B793A8-8DEE-47AF-9B1F-D296C595C0FA}" dt="2022-06-17T08:33:20.620" v="6"/>
-        <pc:sldMkLst>
-          <pc:docMk/>
-          <pc:sldMk cId="1087616537" sldId="996"/>
-        </pc:sldMkLst>
-        <pc:spChg chg="add del mod">
-          <ac:chgData name="Wouter Van Assche" userId="g+oT1l9Qgu5NpB0/b6QTuywHwppBsGmJv0ffiGd2xzU=" providerId="None" clId="Web-{12B793A8-8DEE-47AF-9B1F-D296C595C0FA}" dt="2022-06-17T08:33:12.667" v="5"/>
-          <ac:spMkLst>
-            <pc:docMk/>
-            <pc:sldMk cId="1087616537" sldId="996"/>
-            <ac:spMk id="7" creationId="{4FB291C6-EA67-75AF-E83D-E2CA6B700E27}"/>
-          </ac:spMkLst>
-        </pc:spChg>
-        <pc:spChg chg="del mod">
-          <ac:chgData name="Wouter Van Assche" userId="g+oT1l9Qgu5NpB0/b6QTuywHwppBsGmJv0ffiGd2xzU=" providerId="None" clId="Web-{12B793A8-8DEE-47AF-9B1F-D296C595C0FA}" dt="2022-06-17T08:33:09.276" v="1"/>
-          <ac:spMkLst>
-            <pc:docMk/>
-            <pc:sldMk cId="1087616537" sldId="996"/>
-            <ac:spMk id="11" creationId="{F4553ED8-18A5-4016-84BA-B846D20FDB6E}"/>
-          </ac:spMkLst>
-        </pc:spChg>
-        <pc:spChg chg="add">
-          <ac:chgData name="Wouter Van Assche" userId="g+oT1l9Qgu5NpB0/b6QTuywHwppBsGmJv0ffiGd2xzU=" providerId="None" clId="Web-{12B793A8-8DEE-47AF-9B1F-D296C595C0FA}" dt="2022-06-17T08:33:20.620" v="6"/>
-          <ac:spMkLst>
-            <pc:docMk/>
-            <pc:sldMk cId="1087616537" sldId="996"/>
-            <ac:spMk id="14" creationId="{950A4F6E-BD31-CB8D-F1F4-CF7AD8B504F5}"/>
           </ac:spMkLst>
         </pc:spChg>
       </pc:sldChg>
@@ -6622,7 +6622,7 @@
           <a:p>
             <a:fld id="{01F519A0-78CB-4E85-BDD7-0175329041AC}" type="datetimeFigureOut">
               <a:rPr lang="en-US" smtClean="0"/>
-              <a:t>10/11/2022</a:t>
+              <a:t>10/12/2022</a:t>
             </a:fld>
             <a:endParaRPr lang="en-US"/>
           </a:p>
@@ -6788,7 +6788,7 @@
           <a:p>
             <a:fld id="{337BDF4F-FAE4-4E7A-B003-7AAF79F14F3C}" type="datetimeFigureOut">
               <a:rPr lang="en-US" smtClean="0"/>
-              <a:t>10/11/2022</a:t>
+              <a:t>10/12/2022</a:t>
             </a:fld>
             <a:endParaRPr lang="en-US"/>
           </a:p>
@@ -7841,7 +7841,7 @@
           <a:p>
             <a:fld id="{12D417FB-DB75-4510-8AD7-5416595AADD8}" type="datetime1">
               <a:rPr lang="en-US" smtClean="0"/>
-              <a:t>10/11/2022</a:t>
+              <a:t>10/12/2022</a:t>
             </a:fld>
             <a:endParaRPr lang="en-US"/>
           </a:p>
@@ -8964,7 +8964,7 @@
           <a:p>
             <a:fld id="{A1FA2290-0477-46BB-87A2-28AB474124F3}" type="datetime1">
               <a:rPr lang="nl-BE" smtClean="0"/>
-              <a:t>11/10/2022</a:t>
+              <a:t>12/10/2022</a:t>
             </a:fld>
             <a:endParaRPr lang="nl-BE" dirty="0"/>
           </a:p>
@@ -11882,7 +11882,7 @@
           <p:nvPr>
             <p:extLst>
               <p:ext uri="{D42A27DB-BD31-4B8C-83A1-F6EECF244321}">
-                <p14:modId xmlns:p14="http://schemas.microsoft.com/office/powerpoint/2010/main" val="2733755865"/>
+                <p14:modId xmlns:p14="http://schemas.microsoft.com/office/powerpoint/2010/main" val="3255648846"/>
               </p:ext>
             </p:extLst>
           </p:nvPr>
@@ -12317,7 +12317,7 @@
                           <a:ea typeface="+mn-ea"/>
                           <a:cs typeface="+mn-cs"/>
                         </a:rPr>
-                        <a:t>                                                                     Default: single-</a:t>
+                        <a:t>                                                                                     Default: single-</a:t>
                       </a:r>
                       <a:r>
                         <a:rPr lang="nl-NL" sz="1800" b="0" i="0" u="none" strike="noStrike" kern="1200" noProof="0" dirty="0" err="1">
@@ -12339,16 +12339,8 @@
                           <a:ea typeface="+mn-ea"/>
                           <a:cs typeface="+mn-cs"/>
                         </a:rPr>
-                        <a:t> job)</a:t>
+                        <a:t> job</a:t>
                       </a:r>
-                      <a:endParaRPr lang="nl-NL" sz="1800" b="0" i="0" u="none" strike="noStrike" kern="1200" noProof="0" dirty="0" err="1">
-                        <a:solidFill>
-                          <a:schemeClr val="dk1"/>
-                        </a:solidFill>
-                        <a:latin typeface="FlandersArtSans-Regular"/>
-                        <a:ea typeface="+mn-ea"/>
-                        <a:cs typeface="+mn-cs"/>
-                      </a:endParaRPr>
                     </a:p>
                   </a:txBody>
                   <a:tcPr anchor="ctr"/>
@@ -14441,7 +14433,7 @@
                 <a:ea typeface="新細明體"/>
                 <a:cs typeface="Courier New" panose="02070309020205020404" pitchFamily="49" charset="0"/>
               </a:rPr>
-              <a:t>But the account which will be used in </a:t>
+              <a:t>MAM accounts will not allow the tool to start translating, you need to provide a valid </a:t>
             </a:r>
             <a:r>
               <a:rPr lang="en-US" dirty="0" err="1">
@@ -14455,7 +14447,7 @@
                 <a:ea typeface="新細明體"/>
                 <a:cs typeface="Courier New" panose="02070309020205020404" pitchFamily="49" charset="0"/>
               </a:rPr>
-              <a:t> has to be given in pbs script </a:t>
+              <a:t> account (in pbs script) </a:t>
             </a:r>
           </a:p>
           <a:p>
@@ -14501,15 +14493,31 @@
             </a:r>
           </a:p>
           <a:p>
-            <a:pPr marL="742950" lvl="1" indent="-342900">
-              <a:buBlip>
-                <a:blip r:embed="rId2"/>
-              </a:buBlip>
+            <a:pPr marL="400050" lvl="1" indent="0">
+              <a:buNone/>
             </a:pPr>
-            <a:endParaRPr lang="en-US" dirty="0">
-              <a:ea typeface="新細明體"/>
-              <a:cs typeface="Courier New" panose="02070309020205020404" pitchFamily="49" charset="0"/>
-            </a:endParaRPr>
+            <a:r>
+              <a:rPr lang="en-US" dirty="0">
+                <a:ea typeface="新細明體"/>
+                <a:cs typeface="Courier New" panose="02070309020205020404" pitchFamily="49" charset="0"/>
+              </a:rPr>
+              <a:t>     (in </a:t>
+            </a:r>
+            <a:r>
+              <a:rPr lang="en-US" dirty="0">
+                <a:latin typeface="Courier New" panose="02070309020205020404" pitchFamily="49" charset="0"/>
+                <a:ea typeface="新細明體"/>
+                <a:cs typeface="Courier New" panose="02070309020205020404" pitchFamily="49" charset="0"/>
+              </a:rPr>
+              <a:t>PYTHONPATH</a:t>
+            </a:r>
+            <a:r>
+              <a:rPr lang="en-US" dirty="0">
+                <a:ea typeface="新細明體"/>
+                <a:cs typeface="Courier New" panose="02070309020205020404" pitchFamily="49" charset="0"/>
+              </a:rPr>
+              <a:t>, uses python3)</a:t>
+            </a:r>
           </a:p>
           <a:p>
             <a:pPr marL="742950" lvl="1" indent="-342900">
@@ -20290,6 +20298,9 @@
                     <a:lumMod val="50000"/>
                   </a:schemeClr>
                 </a:solidFill>
+                <a:highlight>
+                  <a:srgbClr val="FFFF00"/>
+                </a:highlight>
                 <a:latin typeface="Courier New"/>
                 <a:ea typeface="Roboto Condensed Light"/>
                 <a:cs typeface="Courier New"/>
@@ -20302,6 +20313,9 @@
                   <a:lumMod val="50000"/>
                 </a:schemeClr>
               </a:solidFill>
+              <a:highlight>
+                <a:srgbClr val="FFFF00"/>
+              </a:highlight>
               <a:ea typeface="+mn-lt"/>
               <a:cs typeface="+mn-lt"/>
             </a:endParaRPr>
@@ -22791,7 +22805,7 @@
               </a:rPr>
               <a:t> bash –l</a:t>
             </a:r>
-            <a:endParaRPr lang="nl-NL">
+            <a:endParaRPr lang="nl-NL" dirty="0">
               <a:solidFill>
                 <a:schemeClr val="accent6">
                   <a:lumMod val="50000"/>
@@ -22965,9 +22979,9 @@
             </a:r>
             <a:r>
               <a:rPr lang="en-US" sz="1800" dirty="0" err="1">
-                <a:latin typeface="FlandersArtSans-Regular"/>
-                <a:ea typeface="新細明體"/>
-                <a:cs typeface="Courier New"/>
+                <a:latin typeface="Courier New" panose="02070309020205020404" pitchFamily="49" charset="0"/>
+                <a:ea typeface="新細明體"/>
+                <a:cs typeface="Courier New" panose="02070309020205020404" pitchFamily="49" charset="0"/>
               </a:rPr>
               <a:t>sbatch</a:t>
             </a:r>
@@ -23100,14 +23114,11 @@
               </a:spcBef>
               <a:buNone/>
             </a:pPr>
-            <a:r>
-              <a:rPr lang="en-US" sz="1800" dirty="0">
-                <a:latin typeface="FlandersArtSans-Regular"/>
-                <a:ea typeface="新細明體"/>
-                <a:cs typeface="Courier New"/>
-              </a:rPr>
-              <a:t>And only then run</a:t>
-            </a:r>
+            <a:endParaRPr lang="en-US" sz="1800" dirty="0">
+              <a:latin typeface="Courier New"/>
+              <a:ea typeface="+mn-lt"/>
+              <a:cs typeface="+mn-lt"/>
+            </a:endParaRPr>
           </a:p>
           <a:p>
             <a:pPr marL="0" indent="0">
@@ -23121,49 +23132,12 @@
             </a:pPr>
             <a:r>
               <a:rPr lang="en-US" sz="1800" dirty="0">
-                <a:latin typeface="Courier New"/>
+                <a:latin typeface="FlandersArtSans-Regular"/>
                 <a:ea typeface="新細明體"/>
                 <a:cs typeface="Courier New"/>
               </a:rPr>
-              <a:t>$ </a:t>
-            </a:r>
-            <a:r>
-              <a:rPr lang="en-US" sz="1800" dirty="0" err="1">
-                <a:latin typeface="Courier New"/>
-                <a:ea typeface="+mn-lt"/>
-                <a:cs typeface="+mn-lt"/>
-              </a:rPr>
-              <a:t>srun</a:t>
-            </a:r>
-            <a:r>
-              <a:rPr lang="en-US" sz="1800" dirty="0">
-                <a:latin typeface="Courier New"/>
-                <a:ea typeface="+mn-lt"/>
-                <a:cs typeface="+mn-lt"/>
-              </a:rPr>
-              <a:t> --</a:t>
-            </a:r>
-            <a:r>
-              <a:rPr lang="en-US" sz="1800" dirty="0" err="1">
-                <a:latin typeface="Courier New"/>
-                <a:ea typeface="+mn-lt"/>
-                <a:cs typeface="+mn-lt"/>
-              </a:rPr>
-              <a:t>pty</a:t>
-            </a:r>
-            <a:r>
-              <a:rPr lang="en-US" sz="1800" dirty="0">
-                <a:latin typeface="Courier New"/>
-                <a:ea typeface="+mn-lt"/>
-                <a:cs typeface="+mn-lt"/>
-              </a:rPr>
-              <a:t> /bin/bash -l</a:t>
-            </a:r>
-            <a:endParaRPr lang="en-US" sz="1800" dirty="0">
-              <a:latin typeface="Courier New"/>
-              <a:ea typeface="新細明體"/>
-              <a:cs typeface="Courier New"/>
-            </a:endParaRPr>
+              <a:t>And only then run</a:t>
+            </a:r>
           </a:p>
           <a:p>
             <a:pPr marL="0" indent="0">
@@ -23177,33 +23151,108 @@
             </a:pPr>
             <a:r>
               <a:rPr lang="en-US" sz="1800" dirty="0">
-                <a:latin typeface="FlandersArtSans-Regular"/>
+                <a:latin typeface="Courier New"/>
                 <a:ea typeface="新細明體"/>
                 <a:cs typeface="Courier New"/>
               </a:rPr>
-              <a:t>Alternatively instead of </a:t>
+              <a:t>$ </a:t>
             </a:r>
             <a:r>
               <a:rPr lang="en-US" sz="1800" dirty="0" err="1">
-                <a:latin typeface="FlandersArtSans-Regular"/>
-                <a:ea typeface="新細明體"/>
-                <a:cs typeface="Courier New"/>
+                <a:latin typeface="Courier New"/>
+                <a:ea typeface="+mn-lt"/>
+                <a:cs typeface="+mn-lt"/>
               </a:rPr>
               <a:t>srun</a:t>
             </a:r>
+            <a:r>
+              <a:rPr lang="en-US" sz="1800" dirty="0">
+                <a:latin typeface="Courier New"/>
+                <a:ea typeface="+mn-lt"/>
+                <a:cs typeface="+mn-lt"/>
+              </a:rPr>
+              <a:t> --</a:t>
+            </a:r>
+            <a:r>
+              <a:rPr lang="en-US" sz="1800" dirty="0" err="1">
+                <a:latin typeface="Courier New"/>
+                <a:ea typeface="+mn-lt"/>
+                <a:cs typeface="+mn-lt"/>
+              </a:rPr>
+              <a:t>pty</a:t>
+            </a:r>
+            <a:r>
+              <a:rPr lang="en-US" sz="1800" dirty="0">
+                <a:latin typeface="Courier New"/>
+                <a:ea typeface="+mn-lt"/>
+                <a:cs typeface="+mn-lt"/>
+              </a:rPr>
+              <a:t> /bin/bash –l</a:t>
+            </a:r>
+          </a:p>
+          <a:p>
+            <a:pPr marL="0" indent="0">
+              <a:lnSpc>
+                <a:spcPct val="100000"/>
+              </a:lnSpc>
+              <a:spcBef>
+                <a:spcPts val="0"/>
+              </a:spcBef>
+              <a:buNone/>
+            </a:pPr>
+            <a:endParaRPr lang="en-US" sz="1800" dirty="0">
+              <a:latin typeface="Courier New"/>
+              <a:ea typeface="新細明體"/>
+              <a:cs typeface="Courier New"/>
+            </a:endParaRPr>
+          </a:p>
+          <a:p>
+            <a:pPr marL="0" indent="0">
+              <a:lnSpc>
+                <a:spcPct val="100000"/>
+              </a:lnSpc>
+              <a:spcBef>
+                <a:spcPts val="0"/>
+              </a:spcBef>
+              <a:buNone/>
+            </a:pPr>
             <a:r>
               <a:rPr lang="en-US" sz="1800" dirty="0">
                 <a:latin typeface="FlandersArtSans-Regular"/>
                 <a:ea typeface="新細明體"/>
                 <a:cs typeface="Courier New"/>
               </a:rPr>
+              <a:t>Alternatively, instead of </a:t>
+            </a:r>
+            <a:r>
+              <a:rPr lang="en-US" sz="1800" dirty="0" err="1">
+                <a:latin typeface="Courier New" panose="02070309020205020404" pitchFamily="49" charset="0"/>
+                <a:ea typeface="新細明體"/>
+                <a:cs typeface="Courier New" panose="02070309020205020404" pitchFamily="49" charset="0"/>
+              </a:rPr>
+              <a:t>srun</a:t>
+            </a:r>
+            <a:r>
+              <a:rPr lang="en-US" sz="1800" dirty="0">
+                <a:latin typeface="Courier New" panose="02070309020205020404" pitchFamily="49" charset="0"/>
+                <a:ea typeface="新細明體"/>
+                <a:cs typeface="Courier New" panose="02070309020205020404" pitchFamily="49" charset="0"/>
+              </a:rPr>
+              <a:t>,</a:t>
+            </a:r>
+            <a:r>
+              <a:rPr lang="en-US" sz="1800" dirty="0">
+                <a:latin typeface="FlandersArtSans-Regular"/>
+                <a:ea typeface="新細明體"/>
+                <a:cs typeface="Courier New"/>
+              </a:rPr>
               <a:t> it is possible to </a:t>
             </a:r>
             <a:r>
               <a:rPr lang="en-US" sz="1800" dirty="0" err="1">
-                <a:latin typeface="FlandersArtSans-Regular"/>
-                <a:ea typeface="新細明體"/>
-                <a:cs typeface="Courier New"/>
+                <a:latin typeface="Courier New" panose="02070309020205020404" pitchFamily="49" charset="0"/>
+                <a:ea typeface="新細明體"/>
+                <a:cs typeface="Courier New" panose="02070309020205020404" pitchFamily="49" charset="0"/>
               </a:rPr>
               <a:t>ssh</a:t>
             </a:r>
@@ -23286,7 +23335,7 @@
                 <a:cs typeface="Courier New"/>
               </a:rPr>
             </a:br>
-            <a:endParaRPr lang="en-US" sz="1800">
+            <a:endParaRPr lang="en-US" sz="1800" dirty="0">
               <a:ea typeface="+mn-lt"/>
               <a:cs typeface="+mn-lt"/>
             </a:endParaRPr>
@@ -23868,7 +23917,47 @@
                 </a:solidFill>
                 <a:ea typeface="新細明體"/>
               </a:rPr>
-              <a:t> jobs with no partition given may start on Genius cluster (and get job-id ~760)</a:t>
+              <a:t> jobs with no cluster given may start on Genius cluster (and get job-id ~760)</a:t>
+            </a:r>
+          </a:p>
+          <a:p>
+            <a:pPr marL="685800">
+              <a:lnSpc>
+                <a:spcPct val="100000"/>
+              </a:lnSpc>
+              <a:spcBef>
+                <a:spcPts val="0"/>
+              </a:spcBef>
+              <a:buBlip>
+                <a:blip r:embed="rId3"/>
+              </a:buBlip>
+            </a:pPr>
+            <a:r>
+              <a:rPr lang="en-US" dirty="0">
+                <a:solidFill>
+                  <a:srgbClr val="4E5865"/>
+                </a:solidFill>
+                <a:ea typeface="新細明體"/>
+              </a:rPr>
+              <a:t>soon the </a:t>
+            </a:r>
+            <a:r>
+              <a:rPr lang="en-US" dirty="0" err="1">
+                <a:solidFill>
+                  <a:srgbClr val="4E5865"/>
+                </a:solidFill>
+                <a:ea typeface="新細明體"/>
+              </a:rPr>
+              <a:t>slurm</a:t>
+            </a:r>
+            <a:r>
+              <a:rPr lang="en-US" dirty="0">
+                <a:solidFill>
+                  <a:srgbClr val="4E5865"/>
+                </a:solidFill>
+                <a:ea typeface="新細明體"/>
+              </a:rPr>
+              <a:t> accounts will be available also on Genius (with the same account name)</a:t>
             </a:r>
           </a:p>
           <a:p>
@@ -24384,7 +24473,7 @@
                 </a:solidFill>
                 <a:ea typeface="新細明體"/>
               </a:rPr>
-              <a:t> is sensitive not only to – but also spaces that look normal, but have a different code. You can check the command with </a:t>
+              <a:t> is sensitive not only to – but also spaces that look normal, but have a different encoding. You can check the command with </a:t>
             </a:r>
             <a:r>
               <a:rPr lang="en-US" dirty="0">
@@ -25193,13 +25282,13 @@
   <p:clrMapOvr>
     <a:masterClrMapping/>
   </p:clrMapOvr>
-  <mc:AlternateContent xmlns:mc="http://schemas.openxmlformats.org/markup-compatibility/2006">
-    <mc:Choice xmlns:p14="http://schemas.microsoft.com/office/powerpoint/2010/main" Requires="p14">
+  <mc:AlternateContent xmlns:mc="http://schemas.openxmlformats.org/markup-compatibility/2006" xmlns:p14="http://schemas.microsoft.com/office/powerpoint/2010/main">
+    <mc:Choice Requires="p14">
       <p:transition spd="slow" p14:dur="800">
         <p14:flythrough dir="out"/>
       </p:transition>
     </mc:Choice>
-    <mc:Fallback>
+    <mc:Fallback xmlns="">
       <p:transition spd="slow">
         <p:fade/>
       </p:transition>
@@ -26029,7 +26118,7 @@
                 <a:ea typeface="新細明體"/>
               </a:rPr>
             </a:br>
-            <a:endParaRPr lang="en-US">
+            <a:endParaRPr lang="en-US" dirty="0">
               <a:latin typeface="Courier New"/>
               <a:ea typeface="新細明體"/>
               <a:cs typeface="Courier New"/>
@@ -26111,7 +26200,7 @@
                 </a:solidFill>
                 <a:ea typeface="新細明體"/>
               </a:rPr>
-              <a:t>Transferring credits will be possible in the future</a:t>
+              <a:t>Transferring credits between clusters and accounts is possible (can be requested).</a:t>
             </a:r>
             <a:br>
               <a:rPr lang="en-US" altLang="zh-TW" dirty="0">
@@ -26704,7 +26793,7 @@
               <a:rPr lang="en-US" altLang="zh-TW" dirty="0">
                 <a:ea typeface="新細明體"/>
               </a:rPr>
-              <a:t>As of November 2021 according to the TOP500 list of most powerful computers </a:t>
+              <a:t>As of November 2021, according to the TOP500 list of most powerful computers, </a:t>
             </a:r>
             <a:r>
               <a:rPr lang="en-US" altLang="zh-TW" dirty="0" err="1">
@@ -26731,9 +26820,30 @@
             </a:r>
             <a:r>
               <a:rPr lang="en-US" dirty="0"/>
-              <a:t> design is very modular with ~100 optional plugins used for sophisticated configurations: database integration for accounting, management of resource limits and workload prioritization.</a:t>
-            </a:r>
-            <a:endParaRPr lang="en-US" dirty="0">
+              <a:t> design is very modular with ~100 optional plugins used for sophisticated configurations: </a:t>
+            </a:r>
+          </a:p>
+          <a:p>
+            <a:pPr marL="1200150" lvl="2" indent="-342900"/>
+            <a:r>
+              <a:rPr lang="en-US" sz="2400" dirty="0"/>
+              <a:t>database integration for accounting, </a:t>
+            </a:r>
+          </a:p>
+          <a:p>
+            <a:pPr marL="1200150" lvl="2" indent="-342900"/>
+            <a:r>
+              <a:rPr lang="en-US" sz="2400" dirty="0"/>
+              <a:t>management of resource limits </a:t>
+            </a:r>
+          </a:p>
+          <a:p>
+            <a:pPr marL="1200150" lvl="2" indent="-342900"/>
+            <a:r>
+              <a:rPr lang="en-US" sz="2400" dirty="0"/>
+              <a:t>and workload prioritization.</a:t>
+            </a:r>
+            <a:endParaRPr lang="en-US" sz="2400" dirty="0">
               <a:ea typeface="新細明體"/>
               <a:cs typeface="Courier New" panose="02070309020205020404" pitchFamily="49" charset="0"/>
             </a:endParaRPr>
@@ -27062,7 +27172,7 @@
                 <a:ea typeface="新細明體"/>
                 <a:cs typeface="Courier New"/>
               </a:rPr>
-              <a:t>  Computing for 1 minute on a single GPU will be billed as:</a:t>
+              <a:t>  Computing for 1 minute on a single GPU node will be billed as:</a:t>
             </a:r>
             <a:br>
               <a:rPr lang="en-US" dirty="0">
@@ -31085,6 +31195,15 @@
               </a:rPr>
               <a:t>foss</a:t>
             </a:r>
+            <a:r>
+              <a:rPr lang="en-US" sz="1600" dirty="0">
+                <a:effectLst/>
+                <a:latin typeface="Courier New" panose="02070309020205020404" pitchFamily="49" charset="0"/>
+                <a:ea typeface="Calibri" panose="020F0502020204030204" pitchFamily="34" charset="0"/>
+                <a:cs typeface="Courier New" panose="02070309020205020404" pitchFamily="49" charset="0"/>
+              </a:rPr>
+              <a:t>/2021a</a:t>
+            </a:r>
             <a:endParaRPr lang="nl-BE" sz="1600" dirty="0">
               <a:effectLst/>
               <a:latin typeface="Courier New" panose="02070309020205020404" pitchFamily="49" charset="0"/>
@@ -32195,12 +32314,15 @@
               </a:rPr>
               <a:t>foss</a:t>
             </a:r>
-            <a:endParaRPr lang="en-US" sz="2000" dirty="0">
-              <a:effectLst/>
-              <a:latin typeface="Courier New" panose="02070309020205020404" pitchFamily="49" charset="0"/>
-              <a:ea typeface="Calibri" panose="020F0502020204030204" pitchFamily="34" charset="0"/>
-              <a:cs typeface="Courier New" panose="02070309020205020404" pitchFamily="49" charset="0"/>
-            </a:endParaRPr>
+            <a:r>
+              <a:rPr lang="en-US" sz="2000" dirty="0">
+                <a:effectLst/>
+                <a:latin typeface="Courier New" panose="02070309020205020404" pitchFamily="49" charset="0"/>
+                <a:ea typeface="Calibri" panose="020F0502020204030204" pitchFamily="34" charset="0"/>
+                <a:cs typeface="Courier New" panose="02070309020205020404" pitchFamily="49" charset="0"/>
+              </a:rPr>
+              <a:t>/2021a</a:t>
+            </a:r>
           </a:p>
           <a:p>
             <a:pPr marL="0" indent="-57150">
@@ -41958,6 +42080,60 @@
               </a:rPr>
               <a:t>srun</a:t>
             </a:r>
+            <a:r>
+              <a:rPr lang="en-US" dirty="0">
+                <a:solidFill>
+                  <a:srgbClr val="4E5865"/>
+                </a:solidFill>
+                <a:latin typeface="Courier New" panose="02070309020205020404" pitchFamily="49" charset="0"/>
+                <a:ea typeface="新細明體"/>
+                <a:cs typeface="Courier New" panose="02070309020205020404" pitchFamily="49" charset="0"/>
+              </a:rPr>
+              <a:t> </a:t>
+            </a:r>
+            <a:r>
+              <a:rPr lang="en-US" dirty="0">
+                <a:solidFill>
+                  <a:srgbClr val="4E5865"/>
+                </a:solidFill>
+                <a:ea typeface="新細明體"/>
+                <a:cs typeface="Courier New" panose="02070309020205020404" pitchFamily="49" charset="0"/>
+              </a:rPr>
+              <a:t>or </a:t>
+            </a:r>
+            <a:r>
+              <a:rPr lang="en-US" dirty="0" err="1">
+                <a:solidFill>
+                  <a:srgbClr val="4E5865"/>
+                </a:solidFill>
+                <a:latin typeface="Courier New" panose="02070309020205020404" pitchFamily="49" charset="0"/>
+                <a:ea typeface="新細明體"/>
+                <a:cs typeface="Courier New" panose="02070309020205020404" pitchFamily="49" charset="0"/>
+              </a:rPr>
+              <a:t>salloc</a:t>
+            </a:r>
+            <a:r>
+              <a:rPr lang="en-US" dirty="0">
+                <a:solidFill>
+                  <a:srgbClr val="4E5865"/>
+                </a:solidFill>
+                <a:latin typeface="Courier New" panose="02070309020205020404" pitchFamily="49" charset="0"/>
+                <a:ea typeface="新細明體"/>
+                <a:cs typeface="Courier New" panose="02070309020205020404" pitchFamily="49" charset="0"/>
+              </a:rPr>
+              <a:t> + </a:t>
+            </a:r>
+            <a:r>
+              <a:rPr lang="en-US" dirty="0" err="1">
+                <a:solidFill>
+                  <a:srgbClr val="4E5865"/>
+                </a:solidFill>
+                <a:latin typeface="Courier New" panose="02070309020205020404" pitchFamily="49" charset="0"/>
+                <a:ea typeface="新細明體"/>
+                <a:cs typeface="Courier New" panose="02070309020205020404" pitchFamily="49" charset="0"/>
+              </a:rPr>
+              <a:t>ssh</a:t>
+            </a:r>
             <a:br>
               <a:rPr lang="en-US" dirty="0">
                 <a:solidFill>
@@ -42598,8 +42774,8 @@
         </p:blipFill>
         <p:spPr>
           <a:xfrm>
-            <a:off x="1638988" y="1035674"/>
-            <a:ext cx="6962775" cy="628650"/>
+            <a:off x="383638" y="878547"/>
+            <a:ext cx="9968510" cy="900030"/>
           </a:xfrm>
           <a:prstGeom prst="rect">
             <a:avLst/>
@@ -42628,39 +42804,14 @@
         </p:blipFill>
         <p:spPr>
           <a:xfrm>
-            <a:off x="1638988" y="1978649"/>
-            <a:ext cx="7105650" cy="3543300"/>
+            <a:off x="383638" y="1887108"/>
+            <a:ext cx="9968509" cy="4970892"/>
           </a:xfrm>
           <a:prstGeom prst="rect">
             <a:avLst/>
           </a:prstGeom>
         </p:spPr>
       </p:pic>
-      <p:sp>
-        <p:nvSpPr>
-          <p:cNvPr id="6" name="Content Placeholder 5">
-            <a:extLst>
-              <a:ext uri="{FF2B5EF4-FFF2-40B4-BE49-F238E27FC236}">
-                <a16:creationId xmlns:a16="http://schemas.microsoft.com/office/drawing/2014/main" id="{4A357C13-D3BD-4167-867D-8E7BDBA93350}"/>
-              </a:ext>
-            </a:extLst>
-          </p:cNvPr>
-          <p:cNvSpPr>
-            <a:spLocks noGrp="1"/>
-          </p:cNvSpPr>
-          <p:nvPr>
-            <p:ph idx="1"/>
-          </p:nvPr>
-        </p:nvSpPr>
-        <p:spPr/>
-        <p:txBody>
-          <a:bodyPr/>
-          <a:lstStyle/>
-          <a:p>
-            <a:endParaRPr lang="nl-BE" dirty="0"/>
-          </a:p>
-        </p:txBody>
-      </p:sp>
     </p:spTree>
     <p:extLst>
       <p:ext uri="{BB962C8B-B14F-4D97-AF65-F5344CB8AC3E}">
@@ -42703,7 +42854,7 @@
         </p:nvSpPr>
         <p:spPr>
           <a:xfrm>
-            <a:off x="739239" y="-1031"/>
+            <a:off x="307439" y="-1031"/>
             <a:ext cx="10515600" cy="900031"/>
           </a:xfrm>
         </p:spPr>
@@ -42785,8 +42936,8 @@
         </p:blipFill>
         <p:spPr>
           <a:xfrm>
-            <a:off x="1644325" y="638175"/>
-            <a:ext cx="8401050" cy="6219825"/>
+            <a:off x="2927581" y="-1031"/>
+            <a:ext cx="9264419" cy="6859031"/>
           </a:xfrm>
           <a:prstGeom prst="rect">
             <a:avLst/>
@@ -42917,8 +43068,8 @@
         </p:blipFill>
         <p:spPr>
           <a:xfrm>
-            <a:off x="739239" y="1198567"/>
-            <a:ext cx="6477000" cy="809625"/>
+            <a:off x="236938" y="1024873"/>
+            <a:ext cx="11743346" cy="1467918"/>
           </a:xfrm>
           <a:prstGeom prst="rect">
             <a:avLst/>
@@ -42947,8 +43098,8 @@
         </p:blipFill>
         <p:spPr>
           <a:xfrm>
-            <a:off x="739239" y="2719197"/>
-            <a:ext cx="6991350" cy="781050"/>
+            <a:off x="236938" y="2963263"/>
+            <a:ext cx="11743347" cy="1311927"/>
           </a:xfrm>
           <a:prstGeom prst="rect">
             <a:avLst/>
@@ -43079,8 +43230,8 @@
         </p:blipFill>
         <p:spPr>
           <a:xfrm>
-            <a:off x="2553962" y="899000"/>
-            <a:ext cx="6581775" cy="5324475"/>
+            <a:off x="3708401" y="-1031"/>
+            <a:ext cx="8483600" cy="6862999"/>
           </a:xfrm>
           <a:prstGeom prst="rect">
             <a:avLst/>
@@ -43911,6 +44062,74 @@
 </file>
 
 <file path=customXml/item1.xml><?xml version="1.0" encoding="utf-8"?>
+<?mso-contentType ?>
+<spe:Receivers xmlns:spe="http://schemas.microsoft.com/sharepoint/events">
+  <Receiver>
+    <Name>Document ID Generator</Name>
+    <Synchronization>Synchronous</Synchronization>
+    <Type>10001</Type>
+    <SequenceNumber>1000</SequenceNumber>
+    <Assembly>Microsoft.Office.DocumentManagement, Version=14.0.0.0, Culture=neutral, PublicKeyToken=71e9bce111e9429c</Assembly>
+    <Class>Microsoft.Office.DocumentManagement.Internal.DocIdHandler</Class>
+    <Data/>
+    <Filter/>
+  </Receiver>
+  <Receiver>
+    <Name>Document ID Generator</Name>
+    <Synchronization>Synchronous</Synchronization>
+    <Type>10002</Type>
+    <SequenceNumber>1001</SequenceNumber>
+    <Assembly>Microsoft.Office.DocumentManagement, Version=14.0.0.0, Culture=neutral, PublicKeyToken=71e9bce111e9429c</Assembly>
+    <Class>Microsoft.Office.DocumentManagement.Internal.DocIdHandler</Class>
+    <Data/>
+    <Filter/>
+  </Receiver>
+  <Receiver>
+    <Name>Document ID Generator</Name>
+    <Synchronization>Synchronous</Synchronization>
+    <Type>10004</Type>
+    <SequenceNumber>1002</SequenceNumber>
+    <Assembly>Microsoft.Office.DocumentManagement, Version=14.0.0.0, Culture=neutral, PublicKeyToken=71e9bce111e9429c</Assembly>
+    <Class>Microsoft.Office.DocumentManagement.Internal.DocIdHandler</Class>
+    <Data/>
+    <Filter/>
+  </Receiver>
+  <Receiver>
+    <Name>Document ID Generator</Name>
+    <Synchronization>Synchronous</Synchronization>
+    <Type>10006</Type>
+    <SequenceNumber>1003</SequenceNumber>
+    <Assembly>Microsoft.Office.DocumentManagement, Version=14.0.0.0, Culture=neutral, PublicKeyToken=71e9bce111e9429c</Assembly>
+    <Class>Microsoft.Office.DocumentManagement.Internal.DocIdHandler</Class>
+    <Data/>
+    <Filter/>
+  </Receiver>
+</spe:Receivers>
+</file>
+
+<file path=customXml/item2.xml><?xml version="1.0" encoding="utf-8"?>
+<?mso-contentType ?>
+<customXsn xmlns="http://schemas.microsoft.com/office/2006/metadata/customXsn">
+  <xsnLocation/>
+  <cached>True</cached>
+  <openByDefault>True</openByDefault>
+  <xsnScope>/sites/hpc</xsnScope>
+</customXsn>
+</file>
+
+<file path=customXml/item3.xml><?xml version="1.0" encoding="utf-8"?>
+<p:properties xmlns:p="http://schemas.microsoft.com/office/2006/metadata/properties" xmlns:xsi="http://www.w3.org/2001/XMLSchema-instance" xmlns:pc="http://schemas.microsoft.com/office/infopath/2007/PartnerControls">
+  <documentManagement>
+    <_dlc_DocId xmlns="aff7d12c-bb71-4270-bd29-9c4d45ff3327">346bfafb-41a4-4705-9274-1725a8a4651c</_dlc_DocId>
+    <_dlc_DocIdUrl xmlns="aff7d12c-bb71-4270-bd29-9c4d45ff3327">
+      <Url>https://www.groupware.kuleuven.be/sites/hpc/_layouts/15/DocIdRedir.aspx?ID=346bfafb-41a4-4705-9274-1725a8a4651c</Url>
+      <Description>346bfafb-41a4-4705-9274-1725a8a4651c</Description>
+    </_dlc_DocIdUrl>
+  </documentManagement>
+</p:properties>
+</file>
+
+<file path=customXml/item4.xml><?xml version="1.0" encoding="utf-8"?>
 <ct:contentTypeSchema xmlns:ct="http://schemas.microsoft.com/office/2006/metadata/contentType" xmlns:ma="http://schemas.microsoft.com/office/2006/metadata/properties/metaAttributes" ct:_="" ma:_="" ma:contentTypeName="Document" ma:contentTypeID="0x010100317C36A1CAF973428CFB8DC9B5B73D030400A741C9874CC89F4CB7C7A5AE62CBCD36" ma:contentTypeVersion="2" ma:contentTypeDescription="" ma:contentTypeScope="" ma:versionID="2a5b37c1a06f9995b1548b8fc9b10188">
   <xsd:schema xmlns:xsd="http://www.w3.org/2001/XMLSchema" xmlns:xs="http://www.w3.org/2001/XMLSchema" xmlns:p="http://schemas.microsoft.com/office/2006/metadata/properties" xmlns:ns2="aff7d12c-bb71-4270-bd29-9c4d45ff3327" targetNamespace="http://schemas.microsoft.com/office/2006/metadata/properties" ma:root="true" ma:fieldsID="535495b15c0addd8af32a03863086e70" ns2:_="">
     <xsd:import namespace="aff7d12c-bb71-4270-bd29-9c4d45ff3327"/>
@@ -44055,7 +44274,7 @@
 </ct:contentTypeSchema>
 </file>
 
-<file path=customXml/item2.xml><?xml version="1.0" encoding="utf-8"?>
+<file path=customXml/item5.xml><?xml version="1.0" encoding="utf-8"?>
 <?mso-contentType ?>
 <FormTemplates xmlns="http://schemas.microsoft.com/sharepoint/v3/contenttype/forms">
   <Display>DocumentLibraryForm</Display>
@@ -44064,96 +44283,18 @@
 </FormTemplates>
 </file>
 
-<file path=customXml/item3.xml><?xml version="1.0" encoding="utf-8"?>
-<p:properties xmlns:p="http://schemas.microsoft.com/office/2006/metadata/properties" xmlns:xsi="http://www.w3.org/2001/XMLSchema-instance" xmlns:pc="http://schemas.microsoft.com/office/infopath/2007/PartnerControls">
-  <documentManagement>
-    <_dlc_DocId xmlns="aff7d12c-bb71-4270-bd29-9c4d45ff3327">346bfafb-41a4-4705-9274-1725a8a4651c</_dlc_DocId>
-    <_dlc_DocIdUrl xmlns="aff7d12c-bb71-4270-bd29-9c4d45ff3327">
-      <Url>https://www.groupware.kuleuven.be/sites/hpc/_layouts/15/DocIdRedir.aspx?ID=346bfafb-41a4-4705-9274-1725a8a4651c</Url>
-      <Description>346bfafb-41a4-4705-9274-1725a8a4651c</Description>
-    </_dlc_DocIdUrl>
-  </documentManagement>
-</p:properties>
-</file>
-
-<file path=customXml/item4.xml><?xml version="1.0" encoding="utf-8"?>
-<?mso-contentType ?>
-<customXsn xmlns="http://schemas.microsoft.com/office/2006/metadata/customXsn">
-  <xsnLocation/>
-  <cached>True</cached>
-  <openByDefault>True</openByDefault>
-  <xsnScope>/sites/hpc</xsnScope>
-</customXsn>
-</file>
-
-<file path=customXml/item5.xml><?xml version="1.0" encoding="utf-8"?>
-<?mso-contentType ?>
-<spe:Receivers xmlns:spe="http://schemas.microsoft.com/sharepoint/events">
-  <Receiver>
-    <Name>Document ID Generator</Name>
-    <Synchronization>Synchronous</Synchronization>
-    <Type>10001</Type>
-    <SequenceNumber>1000</SequenceNumber>
-    <Assembly>Microsoft.Office.DocumentManagement, Version=14.0.0.0, Culture=neutral, PublicKeyToken=71e9bce111e9429c</Assembly>
-    <Class>Microsoft.Office.DocumentManagement.Internal.DocIdHandler</Class>
-    <Data/>
-    <Filter/>
-  </Receiver>
-  <Receiver>
-    <Name>Document ID Generator</Name>
-    <Synchronization>Synchronous</Synchronization>
-    <Type>10002</Type>
-    <SequenceNumber>1001</SequenceNumber>
-    <Assembly>Microsoft.Office.DocumentManagement, Version=14.0.0.0, Culture=neutral, PublicKeyToken=71e9bce111e9429c</Assembly>
-    <Class>Microsoft.Office.DocumentManagement.Internal.DocIdHandler</Class>
-    <Data/>
-    <Filter/>
-  </Receiver>
-  <Receiver>
-    <Name>Document ID Generator</Name>
-    <Synchronization>Synchronous</Synchronization>
-    <Type>10004</Type>
-    <SequenceNumber>1002</SequenceNumber>
-    <Assembly>Microsoft.Office.DocumentManagement, Version=14.0.0.0, Culture=neutral, PublicKeyToken=71e9bce111e9429c</Assembly>
-    <Class>Microsoft.Office.DocumentManagement.Internal.DocIdHandler</Class>
-    <Data/>
-    <Filter/>
-  </Receiver>
-  <Receiver>
-    <Name>Document ID Generator</Name>
-    <Synchronization>Synchronous</Synchronization>
-    <Type>10006</Type>
-    <SequenceNumber>1003</SequenceNumber>
-    <Assembly>Microsoft.Office.DocumentManagement, Version=14.0.0.0, Culture=neutral, PublicKeyToken=71e9bce111e9429c</Assembly>
-    <Class>Microsoft.Office.DocumentManagement.Internal.DocIdHandler</Class>
-    <Data/>
-    <Filter/>
-  </Receiver>
-</spe:Receivers>
-</file>
-
 <file path=customXml/itemProps1.xml><?xml version="1.0" encoding="utf-8"?>
-<ds:datastoreItem xmlns:ds="http://schemas.openxmlformats.org/officeDocument/2006/customXml" ds:itemID="{5D5B35C9-35F5-4278-990B-48710415D639}">
+<ds:datastoreItem xmlns:ds="http://schemas.openxmlformats.org/officeDocument/2006/customXml" ds:itemID="{7732E273-8A47-4E01-AC36-8FF8A6317757}">
   <ds:schemaRefs>
-    <ds:schemaRef ds:uri="http://schemas.microsoft.com/office/2006/metadata/contentType"/>
-    <ds:schemaRef ds:uri="http://schemas.microsoft.com/office/2006/metadata/properties/metaAttributes"/>
-    <ds:schemaRef ds:uri="http://www.w3.org/2001/XMLSchema"/>
-    <ds:schemaRef ds:uri="http://schemas.microsoft.com/office/2006/metadata/properties"/>
-    <ds:schemaRef ds:uri="aff7d12c-bb71-4270-bd29-9c4d45ff3327"/>
-    <ds:schemaRef ds:uri="http://schemas.microsoft.com/office/2006/documentManagement/types"/>
-    <ds:schemaRef ds:uri="http://schemas.microsoft.com/office/infopath/2007/PartnerControls"/>
-    <ds:schemaRef ds:uri="http://schemas.openxmlformats.org/package/2006/metadata/core-properties"/>
-    <ds:schemaRef ds:uri="http://purl.org/dc/elements/1.1/"/>
-    <ds:schemaRef ds:uri="http://purl.org/dc/terms/"/>
-    <ds:schemaRef ds:uri="http://schemas.microsoft.com/internal/obd"/>
+    <ds:schemaRef ds:uri="http://schemas.microsoft.com/sharepoint/events"/>
   </ds:schemaRefs>
 </ds:datastoreItem>
 </file>
 
 <file path=customXml/itemProps2.xml><?xml version="1.0" encoding="utf-8"?>
-<ds:datastoreItem xmlns:ds="http://schemas.openxmlformats.org/officeDocument/2006/customXml" ds:itemID="{564EE3F2-D13D-4835-816B-74B5A421851B}">
+<ds:datastoreItem xmlns:ds="http://schemas.openxmlformats.org/officeDocument/2006/customXml" ds:itemID="{F0EF99C1-AFFA-4072-A3F6-6A9C90E28E63}">
   <ds:schemaRefs>
-    <ds:schemaRef ds:uri="http://schemas.microsoft.com/sharepoint/v3/contenttype/forms"/>
+    <ds:schemaRef ds:uri="http://schemas.microsoft.com/office/2006/metadata/customXsn"/>
   </ds:schemaRefs>
 </ds:datastoreItem>
 </file>
@@ -44175,17 +44316,27 @@
 </file>
 
 <file path=customXml/itemProps4.xml><?xml version="1.0" encoding="utf-8"?>
-<ds:datastoreItem xmlns:ds="http://schemas.openxmlformats.org/officeDocument/2006/customXml" ds:itemID="{F0EF99C1-AFFA-4072-A3F6-6A9C90E28E63}">
+<ds:datastoreItem xmlns:ds="http://schemas.openxmlformats.org/officeDocument/2006/customXml" ds:itemID="{5D5B35C9-35F5-4278-990B-48710415D639}">
   <ds:schemaRefs>
-    <ds:schemaRef ds:uri="http://schemas.microsoft.com/office/2006/metadata/customXsn"/>
+    <ds:schemaRef ds:uri="http://schemas.microsoft.com/office/2006/metadata/contentType"/>
+    <ds:schemaRef ds:uri="http://schemas.microsoft.com/office/2006/metadata/properties/metaAttributes"/>
+    <ds:schemaRef ds:uri="http://www.w3.org/2001/XMLSchema"/>
+    <ds:schemaRef ds:uri="http://schemas.microsoft.com/office/2006/metadata/properties"/>
+    <ds:schemaRef ds:uri="aff7d12c-bb71-4270-bd29-9c4d45ff3327"/>
+    <ds:schemaRef ds:uri="http://schemas.microsoft.com/office/2006/documentManagement/types"/>
+    <ds:schemaRef ds:uri="http://schemas.microsoft.com/office/infopath/2007/PartnerControls"/>
+    <ds:schemaRef ds:uri="http://schemas.openxmlformats.org/package/2006/metadata/core-properties"/>
+    <ds:schemaRef ds:uri="http://purl.org/dc/elements/1.1/"/>
+    <ds:schemaRef ds:uri="http://purl.org/dc/terms/"/>
+    <ds:schemaRef ds:uri="http://schemas.microsoft.com/internal/obd"/>
   </ds:schemaRefs>
 </ds:datastoreItem>
 </file>
 
 <file path=customXml/itemProps5.xml><?xml version="1.0" encoding="utf-8"?>
-<ds:datastoreItem xmlns:ds="http://schemas.openxmlformats.org/officeDocument/2006/customXml" ds:itemID="{7732E273-8A47-4E01-AC36-8FF8A6317757}">
+<ds:datastoreItem xmlns:ds="http://schemas.openxmlformats.org/officeDocument/2006/customXml" ds:itemID="{564EE3F2-D13D-4835-816B-74B5A421851B}">
   <ds:schemaRefs>
-    <ds:schemaRef ds:uri="http://schemas.microsoft.com/sharepoint/events"/>
+    <ds:schemaRef ds:uri="http://schemas.microsoft.com/sharepoint/v3/contenttype/forms"/>
   </ds:schemaRefs>
 </ds:datastoreItem>
 </file>
--- a/Slurm session.pptx
+++ b/Slurm session.pptx
@@ -5548,6 +5548,45 @@
     </pc:docChg>
   </pc:docChgLst>
   <pc:docChgLst>
+    <pc:chgData name="Maxime Van den Bossche" userId="UHsicVu0lDPhlWn5MpEzfh5t8UBa4SoJXzjmcKjTj0o=" providerId="None" clId="Web-{10A96F60-CC2E-4519-8A02-CCD21B71EBDB}"/>
+    <pc:docChg chg="modSld">
+      <pc:chgData name="Maxime Van den Bossche" userId="UHsicVu0lDPhlWn5MpEzfh5t8UBa4SoJXzjmcKjTj0o=" providerId="None" clId="Web-{10A96F60-CC2E-4519-8A02-CCD21B71EBDB}" dt="2022-07-15T11:27:54.069" v="80" actId="20577"/>
+      <pc:docMkLst>
+        <pc:docMk/>
+      </pc:docMkLst>
+      <pc:sldChg chg="modSp">
+        <pc:chgData name="Maxime Van den Bossche" userId="UHsicVu0lDPhlWn5MpEzfh5t8UBa4SoJXzjmcKjTj0o=" providerId="None" clId="Web-{10A96F60-CC2E-4519-8A02-CCD21B71EBDB}" dt="2022-07-15T11:27:17.475" v="77" actId="20577"/>
+        <pc:sldMkLst>
+          <pc:docMk/>
+          <pc:sldMk cId="2060038847" sldId="988"/>
+        </pc:sldMkLst>
+        <pc:spChg chg="mod">
+          <ac:chgData name="Maxime Van den Bossche" userId="UHsicVu0lDPhlWn5MpEzfh5t8UBa4SoJXzjmcKjTj0o=" providerId="None" clId="Web-{10A96F60-CC2E-4519-8A02-CCD21B71EBDB}" dt="2022-07-15T11:27:17.475" v="77" actId="20577"/>
+          <ac:spMkLst>
+            <pc:docMk/>
+            <pc:sldMk cId="2060038847" sldId="988"/>
+            <ac:spMk id="3" creationId="{00000000-0000-0000-0000-000000000000}"/>
+          </ac:spMkLst>
+        </pc:spChg>
+      </pc:sldChg>
+      <pc:sldChg chg="modSp">
+        <pc:chgData name="Maxime Van den Bossche" userId="UHsicVu0lDPhlWn5MpEzfh5t8UBa4SoJXzjmcKjTj0o=" providerId="None" clId="Web-{10A96F60-CC2E-4519-8A02-CCD21B71EBDB}" dt="2022-07-15T11:27:54.069" v="80" actId="20577"/>
+        <pc:sldMkLst>
+          <pc:docMk/>
+          <pc:sldMk cId="3714024755" sldId="1012"/>
+        </pc:sldMkLst>
+        <pc:spChg chg="mod">
+          <ac:chgData name="Maxime Van den Bossche" userId="UHsicVu0lDPhlWn5MpEzfh5t8UBa4SoJXzjmcKjTj0o=" providerId="None" clId="Web-{10A96F60-CC2E-4519-8A02-CCD21B71EBDB}" dt="2022-07-15T11:27:54.069" v="80" actId="20577"/>
+          <ac:spMkLst>
+            <pc:docMk/>
+            <pc:sldMk cId="3714024755" sldId="1012"/>
+            <ac:spMk id="3" creationId="{00000000-0000-0000-0000-000000000000}"/>
+          </ac:spMkLst>
+        </pc:spChg>
+      </pc:sldChg>
+    </pc:docChg>
+  </pc:docChgLst>
+  <pc:docChgLst>
     <pc:chgData name="Wouter Van Assche" userId="g+oT1l9Qgu5NpB0/b6QTuywHwppBsGmJv0ffiGd2xzU=" providerId="None" clId="Web-{12B793A8-8DEE-47AF-9B1F-D296C595C0FA}"/>
     <pc:docChg chg="modSld">
       <pc:chgData name="Wouter Van Assche" userId="g+oT1l9Qgu5NpB0/b6QTuywHwppBsGmJv0ffiGd2xzU=" providerId="None" clId="Web-{12B793A8-8DEE-47AF-9B1F-D296C595C0FA}" dt="2022-06-17T08:33:26.589" v="8"/>
@@ -5605,45 +5644,6 @@
             <pc:docMk/>
             <pc:sldMk cId="1087616537" sldId="996"/>
             <ac:spMk id="14" creationId="{950A4F6E-BD31-CB8D-F1F4-CF7AD8B504F5}"/>
-          </ac:spMkLst>
-        </pc:spChg>
-      </pc:sldChg>
-    </pc:docChg>
-  </pc:docChgLst>
-  <pc:docChgLst>
-    <pc:chgData name="Maxime Van den Bossche" userId="UHsicVu0lDPhlWn5MpEzfh5t8UBa4SoJXzjmcKjTj0o=" providerId="None" clId="Web-{10A96F60-CC2E-4519-8A02-CCD21B71EBDB}"/>
-    <pc:docChg chg="modSld">
-      <pc:chgData name="Maxime Van den Bossche" userId="UHsicVu0lDPhlWn5MpEzfh5t8UBa4SoJXzjmcKjTj0o=" providerId="None" clId="Web-{10A96F60-CC2E-4519-8A02-CCD21B71EBDB}" dt="2022-07-15T11:27:54.069" v="80" actId="20577"/>
-      <pc:docMkLst>
-        <pc:docMk/>
-      </pc:docMkLst>
-      <pc:sldChg chg="modSp">
-        <pc:chgData name="Maxime Van den Bossche" userId="UHsicVu0lDPhlWn5MpEzfh5t8UBa4SoJXzjmcKjTj0o=" providerId="None" clId="Web-{10A96F60-CC2E-4519-8A02-CCD21B71EBDB}" dt="2022-07-15T11:27:17.475" v="77" actId="20577"/>
-        <pc:sldMkLst>
-          <pc:docMk/>
-          <pc:sldMk cId="2060038847" sldId="988"/>
-        </pc:sldMkLst>
-        <pc:spChg chg="mod">
-          <ac:chgData name="Maxime Van den Bossche" userId="UHsicVu0lDPhlWn5MpEzfh5t8UBa4SoJXzjmcKjTj0o=" providerId="None" clId="Web-{10A96F60-CC2E-4519-8A02-CCD21B71EBDB}" dt="2022-07-15T11:27:17.475" v="77" actId="20577"/>
-          <ac:spMkLst>
-            <pc:docMk/>
-            <pc:sldMk cId="2060038847" sldId="988"/>
-            <ac:spMk id="3" creationId="{00000000-0000-0000-0000-000000000000}"/>
-          </ac:spMkLst>
-        </pc:spChg>
-      </pc:sldChg>
-      <pc:sldChg chg="modSp">
-        <pc:chgData name="Maxime Van den Bossche" userId="UHsicVu0lDPhlWn5MpEzfh5t8UBa4SoJXzjmcKjTj0o=" providerId="None" clId="Web-{10A96F60-CC2E-4519-8A02-CCD21B71EBDB}" dt="2022-07-15T11:27:54.069" v="80" actId="20577"/>
-        <pc:sldMkLst>
-          <pc:docMk/>
-          <pc:sldMk cId="3714024755" sldId="1012"/>
-        </pc:sldMkLst>
-        <pc:spChg chg="mod">
-          <ac:chgData name="Maxime Van den Bossche" userId="UHsicVu0lDPhlWn5MpEzfh5t8UBa4SoJXzjmcKjTj0o=" providerId="None" clId="Web-{10A96F60-CC2E-4519-8A02-CCD21B71EBDB}" dt="2022-07-15T11:27:54.069" v="80" actId="20577"/>
-          <ac:spMkLst>
-            <pc:docMk/>
-            <pc:sldMk cId="3714024755" sldId="1012"/>
-            <ac:spMk id="3" creationId="{00000000-0000-0000-0000-000000000000}"/>
           </ac:spMkLst>
         </pc:spChg>
       </pc:sldChg>
@@ -6622,7 +6622,7 @@
           <a:p>
             <a:fld id="{01F519A0-78CB-4E85-BDD7-0175329041AC}" type="datetimeFigureOut">
               <a:rPr lang="en-US" smtClean="0"/>
-              <a:t>10/12/2022</a:t>
+              <a:t>10/13/2022</a:t>
             </a:fld>
             <a:endParaRPr lang="en-US"/>
           </a:p>
@@ -6788,7 +6788,7 @@
           <a:p>
             <a:fld id="{337BDF4F-FAE4-4E7A-B003-7AAF79F14F3C}" type="datetimeFigureOut">
               <a:rPr lang="en-US" smtClean="0"/>
-              <a:t>10/12/2022</a:t>
+              <a:t>10/13/2022</a:t>
             </a:fld>
             <a:endParaRPr lang="en-US"/>
           </a:p>
@@ -7841,7 +7841,7 @@
           <a:p>
             <a:fld id="{12D417FB-DB75-4510-8AD7-5416595AADD8}" type="datetime1">
               <a:rPr lang="en-US" smtClean="0"/>
-              <a:t>10/12/2022</a:t>
+              <a:t>10/13/2022</a:t>
             </a:fld>
             <a:endParaRPr lang="en-US"/>
           </a:p>
@@ -8964,7 +8964,7 @@
           <a:p>
             <a:fld id="{A1FA2290-0477-46BB-87A2-28AB474124F3}" type="datetime1">
               <a:rPr lang="nl-BE" smtClean="0"/>
-              <a:t>12/10/2022</a:t>
+              <a:t>13/10/2022</a:t>
             </a:fld>
             <a:endParaRPr lang="nl-BE" dirty="0"/>
           </a:p>
@@ -11882,7 +11882,7 @@
           <p:nvPr>
             <p:extLst>
               <p:ext uri="{D42A27DB-BD31-4B8C-83A1-F6EECF244321}">
-                <p14:modId xmlns:p14="http://schemas.microsoft.com/office/powerpoint/2010/main" val="3255648846"/>
+                <p14:modId xmlns:p14="http://schemas.microsoft.com/office/powerpoint/2010/main" val="1224844187"/>
               </p:ext>
             </p:extLst>
           </p:nvPr>
@@ -12694,60 +12694,12 @@
                         </a:rPr>
                         <a:t>                 </a:t>
                       </a:r>
-                      <a:r>
-                        <a:rPr lang="nl-NL" sz="1800" b="0" i="0" u="none" strike="noStrike" noProof="0" dirty="0">
-                          <a:solidFill>
-                            <a:schemeClr val="dk1"/>
-                          </a:solidFill>
-                          <a:latin typeface="FlandersArtSans-Regular"/>
-                        </a:rPr>
-                        <a:t>Default: max </a:t>
-                      </a:r>
-                      <a:r>
-                        <a:rPr lang="nl-NL" sz="1800" b="0" i="0" u="none" strike="noStrike" noProof="0" dirty="0" err="1">
-                          <a:solidFill>
-                            <a:schemeClr val="dk1"/>
-                          </a:solidFill>
-                          <a:latin typeface="FlandersArtSans-Regular"/>
-                        </a:rPr>
-                        <a:t>walltime</a:t>
-                      </a:r>
-                      <a:r>
-                        <a:rPr lang="nl-NL" sz="1800" b="0" i="0" u="none" strike="noStrike" noProof="0" dirty="0">
-                          <a:solidFill>
-                            <a:schemeClr val="dk1"/>
-                          </a:solidFill>
-                          <a:latin typeface="FlandersArtSans-Regular"/>
-                        </a:rPr>
-                        <a:t> </a:t>
-                      </a:r>
-                      <a:r>
-                        <a:rPr lang="nl-NL" sz="1800" b="0" i="0" u="none" strike="noStrike" noProof="0" dirty="0" err="1">
-                          <a:solidFill>
-                            <a:schemeClr val="dk1"/>
-                          </a:solidFill>
-                          <a:latin typeface="FlandersArtSans-Regular"/>
-                        </a:rPr>
-                        <a:t>for</a:t>
-                      </a:r>
-                      <a:r>
-                        <a:rPr lang="nl-NL" sz="1800" b="0" i="0" u="none" strike="noStrike" noProof="0" dirty="0">
-                          <a:solidFill>
-                            <a:schemeClr val="dk1"/>
-                          </a:solidFill>
-                          <a:latin typeface="FlandersArtSans-Regular"/>
-                        </a:rPr>
-                        <a:t> </a:t>
-                      </a:r>
-                      <a:r>
-                        <a:rPr lang="nl-NL" sz="1800" b="0" i="0" u="none" strike="noStrike" noProof="0" dirty="0" err="1">
-                          <a:solidFill>
-                            <a:schemeClr val="dk1"/>
-                          </a:solidFill>
-                          <a:latin typeface="FlandersArtSans-Regular"/>
-                        </a:rPr>
-                        <a:t>partition</a:t>
-                      </a:r>
+                      <a:endParaRPr lang="nl-NL" sz="1800" b="0" i="0" u="none" strike="noStrike" noProof="0" dirty="0">
+                        <a:solidFill>
+                          <a:schemeClr val="dk1"/>
+                        </a:solidFill>
+                        <a:latin typeface="FlandersArtSans-Regular"/>
+                      </a:endParaRPr>
                     </a:p>
                   </a:txBody>
                   <a:tcPr anchor="ctr"/>
@@ -22383,7 +22335,7 @@
               <a:rPr lang="en-US" altLang="zh-TW" sz="1800" dirty="0">
                 <a:ea typeface="新細明體"/>
               </a:rPr>
-              <a:t> are not fully available on </a:t>
+              <a:t> are not/ not fully available on </a:t>
             </a:r>
             <a:r>
               <a:rPr lang="en-US" altLang="zh-TW" sz="1800" dirty="0" err="1">
@@ -23014,9 +22966,9 @@
             </a:r>
             <a:r>
               <a:rPr lang="en-US" sz="1800" dirty="0" err="1">
-                <a:latin typeface="FlandersArtSans-Regular"/>
-                <a:ea typeface="新細明體"/>
-                <a:cs typeface="Courier New"/>
+                <a:latin typeface="Courier New" panose="02070309020205020404" pitchFamily="49" charset="0"/>
+                <a:ea typeface="新細明體"/>
+                <a:cs typeface="Courier New" panose="02070309020205020404" pitchFamily="49" charset="0"/>
               </a:rPr>
               <a:t>srun</a:t>
             </a:r>
@@ -23861,7 +23813,7 @@
                 <a:ea typeface="+mn-lt"/>
                 <a:cs typeface="+mn-lt"/>
               </a:rPr>
-              <a:t> of 3 days</a:t>
+              <a:t> of 1hr</a:t>
             </a:r>
             <a:endParaRPr lang="en-US" dirty="0">
               <a:solidFill>
@@ -24464,7 +24416,7 @@
                 </a:solidFill>
                 <a:ea typeface="新細明體"/>
               </a:rPr>
-              <a:t>slurm</a:t>
+              <a:t>Slurm</a:t>
             </a:r>
             <a:r>
               <a:rPr lang="en-US" dirty="0">
@@ -30817,7 +30769,6 @@
                 <a:solidFill>
                   <a:srgbClr val="4E5865"/>
                 </a:solidFill>
-                <a:latin typeface="Courier New" panose="02070309020205020404" pitchFamily="49" charset="0"/>
                 <a:ea typeface="新細明體"/>
                 <a:cs typeface="Courier New" panose="02070309020205020404" pitchFamily="49" charset="0"/>
               </a:rPr>
@@ -31980,7 +31931,6 @@
                 <a:solidFill>
                   <a:srgbClr val="4E5865"/>
                 </a:solidFill>
-                <a:latin typeface="Courier New" panose="02070309020205020404" pitchFamily="49" charset="0"/>
                 <a:ea typeface="新細明體"/>
                 <a:cs typeface="Courier New" panose="02070309020205020404" pitchFamily="49" charset="0"/>
               </a:rPr>
@@ -41941,7 +41891,7 @@
               <a:t> </a:t>
             </a:r>
             <a:r>
-              <a:rPr lang="en-US" altLang="zh-TW" dirty="0">
+              <a:rPr lang="en-US" altLang="zh-TW" dirty="0" err="1">
                 <a:solidFill>
                   <a:srgbClr val="4E5865"/>
                 </a:solidFill>
@@ -44063,73 +44013,14 @@
 
 <file path=customXml/item1.xml><?xml version="1.0" encoding="utf-8"?>
 <?mso-contentType ?>
-<spe:Receivers xmlns:spe="http://schemas.microsoft.com/sharepoint/events">
-  <Receiver>
-    <Name>Document ID Generator</Name>
-    <Synchronization>Synchronous</Synchronization>
-    <Type>10001</Type>
-    <SequenceNumber>1000</SequenceNumber>
-    <Assembly>Microsoft.Office.DocumentManagement, Version=14.0.0.0, Culture=neutral, PublicKeyToken=71e9bce111e9429c</Assembly>
-    <Class>Microsoft.Office.DocumentManagement.Internal.DocIdHandler</Class>
-    <Data/>
-    <Filter/>
-  </Receiver>
-  <Receiver>
-    <Name>Document ID Generator</Name>
-    <Synchronization>Synchronous</Synchronization>
-    <Type>10002</Type>
-    <SequenceNumber>1001</SequenceNumber>
-    <Assembly>Microsoft.Office.DocumentManagement, Version=14.0.0.0, Culture=neutral, PublicKeyToken=71e9bce111e9429c</Assembly>
-    <Class>Microsoft.Office.DocumentManagement.Internal.DocIdHandler</Class>
-    <Data/>
-    <Filter/>
-  </Receiver>
-  <Receiver>
-    <Name>Document ID Generator</Name>
-    <Synchronization>Synchronous</Synchronization>
-    <Type>10004</Type>
-    <SequenceNumber>1002</SequenceNumber>
-    <Assembly>Microsoft.Office.DocumentManagement, Version=14.0.0.0, Culture=neutral, PublicKeyToken=71e9bce111e9429c</Assembly>
-    <Class>Microsoft.Office.DocumentManagement.Internal.DocIdHandler</Class>
-    <Data/>
-    <Filter/>
-  </Receiver>
-  <Receiver>
-    <Name>Document ID Generator</Name>
-    <Synchronization>Synchronous</Synchronization>
-    <Type>10006</Type>
-    <SequenceNumber>1003</SequenceNumber>
-    <Assembly>Microsoft.Office.DocumentManagement, Version=14.0.0.0, Culture=neutral, PublicKeyToken=71e9bce111e9429c</Assembly>
-    <Class>Microsoft.Office.DocumentManagement.Internal.DocIdHandler</Class>
-    <Data/>
-    <Filter/>
-  </Receiver>
-</spe:Receivers>
+<FormTemplates xmlns="http://schemas.microsoft.com/sharepoint/v3/contenttype/forms">
+  <Display>DocumentLibraryForm</Display>
+  <Edit>DocumentLibraryForm</Edit>
+  <New>DocumentLibraryForm</New>
+</FormTemplates>
 </file>
 
 <file path=customXml/item2.xml><?xml version="1.0" encoding="utf-8"?>
-<?mso-contentType ?>
-<customXsn xmlns="http://schemas.microsoft.com/office/2006/metadata/customXsn">
-  <xsnLocation/>
-  <cached>True</cached>
-  <openByDefault>True</openByDefault>
-  <xsnScope>/sites/hpc</xsnScope>
-</customXsn>
-</file>
-
-<file path=customXml/item3.xml><?xml version="1.0" encoding="utf-8"?>
-<p:properties xmlns:p="http://schemas.microsoft.com/office/2006/metadata/properties" xmlns:xsi="http://www.w3.org/2001/XMLSchema-instance" xmlns:pc="http://schemas.microsoft.com/office/infopath/2007/PartnerControls">
-  <documentManagement>
-    <_dlc_DocId xmlns="aff7d12c-bb71-4270-bd29-9c4d45ff3327">346bfafb-41a4-4705-9274-1725a8a4651c</_dlc_DocId>
-    <_dlc_DocIdUrl xmlns="aff7d12c-bb71-4270-bd29-9c4d45ff3327">
-      <Url>https://www.groupware.kuleuven.be/sites/hpc/_layouts/15/DocIdRedir.aspx?ID=346bfafb-41a4-4705-9274-1725a8a4651c</Url>
-      <Description>346bfafb-41a4-4705-9274-1725a8a4651c</Description>
-    </_dlc_DocIdUrl>
-  </documentManagement>
-</p:properties>
-</file>
-
-<file path=customXml/item4.xml><?xml version="1.0" encoding="utf-8"?>
 <ct:contentTypeSchema xmlns:ct="http://schemas.microsoft.com/office/2006/metadata/contentType" xmlns:ma="http://schemas.microsoft.com/office/2006/metadata/properties/metaAttributes" ct:_="" ma:_="" ma:contentTypeName="Document" ma:contentTypeID="0x010100317C36A1CAF973428CFB8DC9B5B73D030400A741C9874CC89F4CB7C7A5AE62CBCD36" ma:contentTypeVersion="2" ma:contentTypeDescription="" ma:contentTypeScope="" ma:versionID="2a5b37c1a06f9995b1548b8fc9b10188">
   <xsd:schema xmlns:xsd="http://www.w3.org/2001/XMLSchema" xmlns:xs="http://www.w3.org/2001/XMLSchema" xmlns:p="http://schemas.microsoft.com/office/2006/metadata/properties" xmlns:ns2="aff7d12c-bb71-4270-bd29-9c4d45ff3327" targetNamespace="http://schemas.microsoft.com/office/2006/metadata/properties" ma:root="true" ma:fieldsID="535495b15c0addd8af32a03863086e70" ns2:_="">
     <xsd:import namespace="aff7d12c-bb71-4270-bd29-9c4d45ff3327"/>
@@ -44274,27 +44165,96 @@
 </ct:contentTypeSchema>
 </file>
 
+<file path=customXml/item3.xml><?xml version="1.0" encoding="utf-8"?>
+<p:properties xmlns:p="http://schemas.microsoft.com/office/2006/metadata/properties" xmlns:xsi="http://www.w3.org/2001/XMLSchema-instance" xmlns:pc="http://schemas.microsoft.com/office/infopath/2007/PartnerControls">
+  <documentManagement>
+    <_dlc_DocId xmlns="aff7d12c-bb71-4270-bd29-9c4d45ff3327">346bfafb-41a4-4705-9274-1725a8a4651c</_dlc_DocId>
+    <_dlc_DocIdUrl xmlns="aff7d12c-bb71-4270-bd29-9c4d45ff3327">
+      <Url>https://www.groupware.kuleuven.be/sites/hpc/_layouts/15/DocIdRedir.aspx?ID=346bfafb-41a4-4705-9274-1725a8a4651c</Url>
+      <Description>346bfafb-41a4-4705-9274-1725a8a4651c</Description>
+    </_dlc_DocIdUrl>
+  </documentManagement>
+</p:properties>
+</file>
+
+<file path=customXml/item4.xml><?xml version="1.0" encoding="utf-8"?>
+<?mso-contentType ?>
+<spe:Receivers xmlns:spe="http://schemas.microsoft.com/sharepoint/events">
+  <Receiver>
+    <Name>Document ID Generator</Name>
+    <Synchronization>Synchronous</Synchronization>
+    <Type>10001</Type>
+    <SequenceNumber>1000</SequenceNumber>
+    <Assembly>Microsoft.Office.DocumentManagement, Version=14.0.0.0, Culture=neutral, PublicKeyToken=71e9bce111e9429c</Assembly>
+    <Class>Microsoft.Office.DocumentManagement.Internal.DocIdHandler</Class>
+    <Data/>
+    <Filter/>
+  </Receiver>
+  <Receiver>
+    <Name>Document ID Generator</Name>
+    <Synchronization>Synchronous</Synchronization>
+    <Type>10002</Type>
+    <SequenceNumber>1001</SequenceNumber>
+    <Assembly>Microsoft.Office.DocumentManagement, Version=14.0.0.0, Culture=neutral, PublicKeyToken=71e9bce111e9429c</Assembly>
+    <Class>Microsoft.Office.DocumentManagement.Internal.DocIdHandler</Class>
+    <Data/>
+    <Filter/>
+  </Receiver>
+  <Receiver>
+    <Name>Document ID Generator</Name>
+    <Synchronization>Synchronous</Synchronization>
+    <Type>10004</Type>
+    <SequenceNumber>1002</SequenceNumber>
+    <Assembly>Microsoft.Office.DocumentManagement, Version=14.0.0.0, Culture=neutral, PublicKeyToken=71e9bce111e9429c</Assembly>
+    <Class>Microsoft.Office.DocumentManagement.Internal.DocIdHandler</Class>
+    <Data/>
+    <Filter/>
+  </Receiver>
+  <Receiver>
+    <Name>Document ID Generator</Name>
+    <Synchronization>Synchronous</Synchronization>
+    <Type>10006</Type>
+    <SequenceNumber>1003</SequenceNumber>
+    <Assembly>Microsoft.Office.DocumentManagement, Version=14.0.0.0, Culture=neutral, PublicKeyToken=71e9bce111e9429c</Assembly>
+    <Class>Microsoft.Office.DocumentManagement.Internal.DocIdHandler</Class>
+    <Data/>
+    <Filter/>
+  </Receiver>
+</spe:Receivers>
+</file>
+
 <file path=customXml/item5.xml><?xml version="1.0" encoding="utf-8"?>
 <?mso-contentType ?>
-<FormTemplates xmlns="http://schemas.microsoft.com/sharepoint/v3/contenttype/forms">
-  <Display>DocumentLibraryForm</Display>
-  <Edit>DocumentLibraryForm</Edit>
-  <New>DocumentLibraryForm</New>
-</FormTemplates>
+<customXsn xmlns="http://schemas.microsoft.com/office/2006/metadata/customXsn">
+  <xsnLocation/>
+  <cached>True</cached>
+  <openByDefault>True</openByDefault>
+  <xsnScope>/sites/hpc</xsnScope>
+</customXsn>
 </file>
 
 <file path=customXml/itemProps1.xml><?xml version="1.0" encoding="utf-8"?>
-<ds:datastoreItem xmlns:ds="http://schemas.openxmlformats.org/officeDocument/2006/customXml" ds:itemID="{7732E273-8A47-4E01-AC36-8FF8A6317757}">
+<ds:datastoreItem xmlns:ds="http://schemas.openxmlformats.org/officeDocument/2006/customXml" ds:itemID="{564EE3F2-D13D-4835-816B-74B5A421851B}">
   <ds:schemaRefs>
-    <ds:schemaRef ds:uri="http://schemas.microsoft.com/sharepoint/events"/>
+    <ds:schemaRef ds:uri="http://schemas.microsoft.com/sharepoint/v3/contenttype/forms"/>
   </ds:schemaRefs>
 </ds:datastoreItem>
 </file>
 
 <file path=customXml/itemProps2.xml><?xml version="1.0" encoding="utf-8"?>
-<ds:datastoreItem xmlns:ds="http://schemas.openxmlformats.org/officeDocument/2006/customXml" ds:itemID="{F0EF99C1-AFFA-4072-A3F6-6A9C90E28E63}">
+<ds:datastoreItem xmlns:ds="http://schemas.openxmlformats.org/officeDocument/2006/customXml" ds:itemID="{5D5B35C9-35F5-4278-990B-48710415D639}">
   <ds:schemaRefs>
-    <ds:schemaRef ds:uri="http://schemas.microsoft.com/office/2006/metadata/customXsn"/>
+    <ds:schemaRef ds:uri="http://schemas.microsoft.com/office/2006/metadata/contentType"/>
+    <ds:schemaRef ds:uri="http://schemas.microsoft.com/office/2006/metadata/properties/metaAttributes"/>
+    <ds:schemaRef ds:uri="http://www.w3.org/2001/XMLSchema"/>
+    <ds:schemaRef ds:uri="http://schemas.microsoft.com/office/2006/metadata/properties"/>
+    <ds:schemaRef ds:uri="aff7d12c-bb71-4270-bd29-9c4d45ff3327"/>
+    <ds:schemaRef ds:uri="http://schemas.microsoft.com/office/2006/documentManagement/types"/>
+    <ds:schemaRef ds:uri="http://schemas.microsoft.com/office/infopath/2007/PartnerControls"/>
+    <ds:schemaRef ds:uri="http://schemas.openxmlformats.org/package/2006/metadata/core-properties"/>
+    <ds:schemaRef ds:uri="http://purl.org/dc/elements/1.1/"/>
+    <ds:schemaRef ds:uri="http://purl.org/dc/terms/"/>
+    <ds:schemaRef ds:uri="http://schemas.microsoft.com/internal/obd"/>
   </ds:schemaRefs>
 </ds:datastoreItem>
 </file>
@@ -44316,27 +44276,17 @@
 </file>
 
 <file path=customXml/itemProps4.xml><?xml version="1.0" encoding="utf-8"?>
-<ds:datastoreItem xmlns:ds="http://schemas.openxmlformats.org/officeDocument/2006/customXml" ds:itemID="{5D5B35C9-35F5-4278-990B-48710415D639}">
+<ds:datastoreItem xmlns:ds="http://schemas.openxmlformats.org/officeDocument/2006/customXml" ds:itemID="{7732E273-8A47-4E01-AC36-8FF8A6317757}">
   <ds:schemaRefs>
-    <ds:schemaRef ds:uri="http://schemas.microsoft.com/office/2006/metadata/contentType"/>
-    <ds:schemaRef ds:uri="http://schemas.microsoft.com/office/2006/metadata/properties/metaAttributes"/>
-    <ds:schemaRef ds:uri="http://www.w3.org/2001/XMLSchema"/>
-    <ds:schemaRef ds:uri="http://schemas.microsoft.com/office/2006/metadata/properties"/>
-    <ds:schemaRef ds:uri="aff7d12c-bb71-4270-bd29-9c4d45ff3327"/>
-    <ds:schemaRef ds:uri="http://schemas.microsoft.com/office/2006/documentManagement/types"/>
-    <ds:schemaRef ds:uri="http://schemas.microsoft.com/office/infopath/2007/PartnerControls"/>
-    <ds:schemaRef ds:uri="http://schemas.openxmlformats.org/package/2006/metadata/core-properties"/>
-    <ds:schemaRef ds:uri="http://purl.org/dc/elements/1.1/"/>
-    <ds:schemaRef ds:uri="http://purl.org/dc/terms/"/>
-    <ds:schemaRef ds:uri="http://schemas.microsoft.com/internal/obd"/>
+    <ds:schemaRef ds:uri="http://schemas.microsoft.com/sharepoint/events"/>
   </ds:schemaRefs>
 </ds:datastoreItem>
 </file>
 
 <file path=customXml/itemProps5.xml><?xml version="1.0" encoding="utf-8"?>
-<ds:datastoreItem xmlns:ds="http://schemas.openxmlformats.org/officeDocument/2006/customXml" ds:itemID="{564EE3F2-D13D-4835-816B-74B5A421851B}">
+<ds:datastoreItem xmlns:ds="http://schemas.openxmlformats.org/officeDocument/2006/customXml" ds:itemID="{F0EF99C1-AFFA-4072-A3F6-6A9C90E28E63}">
   <ds:schemaRefs>
-    <ds:schemaRef ds:uri="http://schemas.microsoft.com/sharepoint/v3/contenttype/forms"/>
+    <ds:schemaRef ds:uri="http://schemas.microsoft.com/office/2006/metadata/customXsn"/>
   </ds:schemaRefs>
 </ds:datastoreItem>
 </file>